--- a/WebAuthn.pptx
+++ b/WebAuthn.pptx
@@ -649,7 +649,7 @@
           <a:p>
             <a:pPr/>
             <a:r>
-              <a:t>On peut également parler de Evilginx qui permet de mettre en place des sites de phishing de manière automatisée.</a:t>
+              <a:t>On peut également parler de Evilginx2 qui permet de mettre en place des sites de phishing de manière simple.</a:t>
             </a:r>
             <a:br/>
             <a:r>
@@ -829,7 +829,7 @@
           <a:p>
             <a:pPr/>
             <a:r>
-              <a:t>Une recommandation candidate a été proposée début août par le W3C, mise à jour en janvier 2019.</a:t>
+              <a:t>L’API a été publiée le 4 mars 2019 par le W3C.</a:t>
             </a:r>
           </a:p>
           <a:p>
@@ -850,7 +850,7 @@
           <a:p>
             <a:pPr/>
             <a:r>
-              <a:t>Presque rétro-compatible avec le standard U2F (même si la plupart des périphériques certifiés U2F ne sont pas capables de stocker l’identité de l’utilisateur).</a:t>
+              <a:t>Presque rétro-compatible avec le standard U2F (même si la plupart des périphériques certifiés U2F ne sont pas capables de stocker l’identité de l’utilisateur et donc de pouvoir utiliser une même clé pour plusieurs identités sur un même service).</a:t>
             </a:r>
           </a:p>
         </p:txBody>
@@ -935,7 +935,7 @@
           <a:p>
             <a:pPr/>
             <a:r>
-              <a:t>Bien sûr ! WebAuthn est supporté par les dernières versions de Chrome, Edge et Firefox.</a:t>
+              <a:t>Bien sûr ! WebAuthn est supporté par les dernières versions de Chrome, Edge et Firefox. Seul Safari manque à l’appel, il peut être utilisé dans la version TP 12.1 et devrait rapidement arriver suite à la publication officielle de la norme.</a:t>
             </a:r>
           </a:p>
         </p:txBody>
@@ -1011,7 +1011,7 @@
           <a:p>
             <a:pPr/>
             <a:r>
-              <a:t>Pour l’instant c’est un peu calme, seul Dropbox a annoncé le support de WebAuthn en mai.</a:t>
+              <a:t>Pour l’instant c’est un peu calme, seul Dropbox a annoncé le support de WebAuthn en mai (comme second facteur).</a:t>
             </a:r>
           </a:p>
           <a:p>
@@ -1021,7 +1021,7 @@
             </a:r>
             <a:br/>
             <a:r>
-              <a:t>Ceci dit il faut garder à l’esprit que c’est une nouveauté et que le standard W3C n’a pas encore été publié définitivement.</a:t>
+              <a:t>Ceci dit il faut garder à l’esprit que c’est une nouveauté et que suite à la publication en mars 2019 du standard par le W3C le déploiement devrait accélerer.</a:t>
             </a:r>
           </a:p>
         </p:txBody>
@@ -1100,6 +1100,12 @@
               <a:t>Clé YubiKey 5, clé Solo (financement participatif qui se termine demain !) ou application Krypton (que je n’arrive pas à faire fonctionner sur mon téléphone malheureusement).</a:t>
             </a:r>
           </a:p>
+          <a:p>
+            <a:pPr/>
+            <a:r>
+              <a:t>Les clés Titan proposées par Google ne sont pas compatibles actuellement avec FIDO2 (et elles ne semblent pas être vendues en France).</a:t>
+            </a:r>
+          </a:p>
         </p:txBody>
       </p:sp>
     </p:spTree>
@@ -2028,7 +2034,7 @@
           <a:p>
             <a:pPr/>
             <a:r>
-              <a:t>Personnellement je dois avoir deux cents comptes différents.</a:t>
+              <a:t>Personnellement je dois avoir trois cents comptes différents.</a:t>
             </a:r>
           </a:p>
           <a:p>
@@ -2139,6 +2145,33 @@
               </a:rPr>
               <a:t>😢</a:t>
             </a:r>
+            <a:r>
+              <a:t>.</a:t>
+            </a:r>
+          </a:p>
+          <a:p>
+            <a:pPr/>
+            <a:r>
+              <a:t>Une étude récente menée par des chercheurs allemands a par exemple montré que beaucoup de professionnels stockaient les mots de passe en clair si la sécurité n’était pas explicitement mentionné dans les exigences.</a:t>
+            </a:r>
+          </a:p>
+          <a:p>
+            <a:pPr/>
+            <a:r>
+              <a:t>La moitié ont utilisé md5 ou base64 (!) pour stocker les mots de passe de manière « sécurisée » (</a:t>
+            </a:r>
+            <a:r>
+              <a:rPr u="sng">
+                <a:solidFill>
+                  <a:schemeClr val="accent1"/>
+                </a:solidFill>
+                <a:hlinkClick r:id="rId3" invalidUrl="" action="" tgtFrame="" tooltip="" history="1" highlightClick="0" endSnd="0"/>
+              </a:rPr>
+              <a:t>https://net.cs.uni-bonn.de/fileadmin/user_upload/naiakshi/Naiakshina_Password_Study.pdf</a:t>
+            </a:r>
+            <a:r>
+              <a:t>).</a:t>
+            </a:r>
           </a:p>
         </p:txBody>
       </p:sp>
@@ -2381,7 +2414,7 @@
           <a:p>
             <a:pPr/>
             <a:r>
-              <a:t>Ingénierie sociale, faille réseau téléphonique (permettant l’interception des communications vocales et textuelles, des entreprises américaines proposant même ce genre de services à leurs clients).</a:t>
+              <a:t>Ingénierie sociale pour obtenir une carte SIM, faille réseau téléphonique (permettant l’interception des communications vocales et textuelles, des entreprises américaines proposant même ce genre de services à leurs clients).</a:t>
             </a:r>
           </a:p>
           <a:p>
@@ -7629,8 +7662,8 @@
         </p:blipFill>
         <p:spPr>
           <a:xfrm>
-            <a:off x="727459" y="1527060"/>
-            <a:ext cx="11550218" cy="6699715"/>
+            <a:off x="38564" y="246203"/>
+            <a:ext cx="12927753" cy="9261223"/>
           </a:xfrm>
           <a:prstGeom prst="rect">
             <a:avLst/>
@@ -7691,8 +7724,8 @@
         </p:blipFill>
         <p:spPr>
           <a:xfrm>
-            <a:off x="650279" y="1430337"/>
-            <a:ext cx="11704301" cy="6892826"/>
+            <a:off x="82198" y="49031"/>
+            <a:ext cx="12840392" cy="9655572"/>
           </a:xfrm>
           <a:prstGeom prst="rect">
             <a:avLst/>
@@ -8094,8 +8127,8 @@
         </p:nvSpPr>
         <p:spPr>
           <a:xfrm>
-            <a:off x="406400" y="1851740"/>
-            <a:ext cx="12192000" cy="7186932"/>
+            <a:off x="406400" y="1189386"/>
+            <a:ext cx="12192000" cy="8222144"/>
           </a:xfrm>
           <a:prstGeom prst="rect">
             <a:avLst/>
@@ -8105,7 +8138,12 @@
           <a:bodyPr/>
           <a:lstStyle/>
           <a:p>
-            <a:pPr/>
+            <a:pPr marL="435609" indent="-435609" defTabSz="572516">
+              <a:spcBef>
+                <a:spcPts val="2700"/>
+              </a:spcBef>
+              <a:defRPr sz="3332"/>
+            </a:pPr>
             <a:r>
               <a:t>Spécification =&gt; </a:t>
             </a:r>
@@ -8120,7 +8158,12 @@
             </a:r>
           </a:p>
           <a:p>
-            <a:pPr/>
+            <a:pPr marL="435609" indent="-435609" defTabSz="572516">
+              <a:spcBef>
+                <a:spcPts val="2700"/>
+              </a:spcBef>
+              <a:defRPr sz="3332"/>
+            </a:pPr>
             <a:r>
               <a:t>MDN =&gt; </a:t>
             </a:r>
@@ -8135,7 +8178,12 @@
             </a:r>
           </a:p>
           <a:p>
-            <a:pPr/>
+            <a:pPr marL="435609" indent="-435609" defTabSz="572516">
+              <a:spcBef>
+                <a:spcPts val="2700"/>
+              </a:spcBef>
+              <a:defRPr sz="3332"/>
+            </a:pPr>
             <a:r>
               <a:t>Chrome =&gt; </a:t>
             </a:r>
@@ -8150,7 +8198,12 @@
             </a:r>
           </a:p>
           <a:p>
-            <a:pPr/>
+            <a:pPr marL="435609" indent="-435609" defTabSz="572516">
+              <a:spcBef>
+                <a:spcPts val="2700"/>
+              </a:spcBef>
+              <a:defRPr sz="3332"/>
+            </a:pPr>
             <a:r>
               <a:t>Détails =&gt; </a:t>
             </a:r>
@@ -8165,7 +8218,12 @@
             </a:r>
           </a:p>
           <a:p>
-            <a:pPr/>
+            <a:pPr marL="435609" indent="-435609" defTabSz="572516">
+              <a:spcBef>
+                <a:spcPts val="2700"/>
+              </a:spcBef>
+              <a:defRPr sz="3332"/>
+            </a:pPr>
             <a:r>
               <a:t>Code =&gt; </a:t>
             </a:r>
@@ -8177,6 +8235,26 @@
                 <a:hlinkClick r:id="rId6" invalidUrl="" action="" tgtFrame="" tooltip="" history="1" highlightClick="0" endSnd="0"/>
               </a:rPr>
               <a:t>https://github.com/joow/webauthn-demo</a:t>
+            </a:r>
+          </a:p>
+          <a:p>
+            <a:pPr marL="435609" indent="-435609" defTabSz="572516">
+              <a:spcBef>
+                <a:spcPts val="2700"/>
+              </a:spcBef>
+              <a:defRPr sz="3332"/>
+            </a:pPr>
+            <a:r>
+              <a:t>Stockage mots de passe : </a:t>
+            </a:r>
+            <a:r>
+              <a:rPr u="sng">
+                <a:solidFill>
+                  <a:schemeClr val="accent1"/>
+                </a:solidFill>
+                <a:hlinkClick r:id="rId7" invalidUrl="" action="" tgtFrame="" tooltip="" history="1" highlightClick="0" endSnd="0"/>
+              </a:rPr>
+              <a:t>https://net.cs.uni-bonn.de/fileadmin/user_upload/naiakshi/Naiakshina_Password_Study.pdf</a:t>
             </a:r>
           </a:p>
         </p:txBody>

--- a/WebAuthn.pptx
+++ b/WebAuthn.pptx
@@ -1364,7 +1364,7 @@
           <a:p>
             <a:pPr/>
             <a:r>
-              <a:t>Lors d’une future connexion, le « serveur » envoie un challenge que l’authentificateur signera avec la clé privée correspondant au site et renverra la réponse au challenge signé.</a:t>
+              <a:t>Lors d’une future connexion, le « serveur » envoie un challenge que l’authentificateur signera avec la clé privée correspondant au site et renverra la réponse au serveur (challenge signé).</a:t>
             </a:r>
           </a:p>
         </p:txBody>
@@ -2041,6 +2041,24 @@
             <a:pPr/>
             <a:r>
               <a:t>En particulier les substitutions de lettre « classiques » (3 à la place de E, 1 à la place de L…) sont inutiles, si vous y avez pensé les pirates y ont aussi pensé.</a:t>
+            </a:r>
+          </a:p>
+          <a:p>
+            <a:pPr/>
+          </a:p>
+          <a:p>
+            <a:pPr/>
+            <a:r>
+              <a:t>Explication du xkcd : </a:t>
+            </a:r>
+            <a:r>
+              <a:rPr u="sng">
+                <a:solidFill>
+                  <a:schemeClr val="accent1"/>
+                </a:solidFill>
+                <a:hlinkClick r:id="rId3" invalidUrl="" action="" tgtFrame="" tooltip="" history="1" highlightClick="0" endSnd="0"/>
+              </a:rPr>
+              <a:t>https://security.stackexchange.com/questions/6095/xkcd-936-short-complex-password-or-long-dictionary-passphrase/6096#6096</a:t>
             </a:r>
           </a:p>
         </p:txBody>

--- a/WebAuthn.pptx
+++ b/WebAuthn.pptx
@@ -967,7 +967,7 @@
       </p:grpSpPr>
       <p:sp>
         <p:nvSpPr>
-          <p:cNvPr id="224" name="Shape 224"/>
+          <p:cNvPr id="225" name="Shape 225"/>
           <p:cNvSpPr/>
           <p:nvPr>
             <p:ph type="sldImg"/>
@@ -988,7 +988,7 @@
       </p:sp>
       <p:sp>
         <p:nvSpPr>
-          <p:cNvPr id="225" name="Shape 225"/>
+          <p:cNvPr id="226" name="Shape 226"/>
           <p:cNvSpPr/>
           <p:nvPr>
             <p:ph type="body" sz="quarter" idx="1"/>
@@ -1011,7 +1011,13 @@
           <a:p>
             <a:pPr/>
             <a:r>
-              <a:t>Pour l’instant c’est un peu calme, seul Dropbox a annoncé le support de WebAuthn en mai (comme second facteur).</a:t>
+              <a:t>Pour l’instant c’est un peu calme, Dropbox a été le premier a annoncé le support de WebAuthn en mai 2018 (comme second facteur).</a:t>
+            </a:r>
+          </a:p>
+          <a:p>
+            <a:pPr/>
+            <a:r>
+              <a:t>1Password a ajouté le support d’un second facteur d’authentification physique en utilisant WebAuthn en juin 2019.</a:t>
             </a:r>
           </a:p>
           <a:p>
@@ -1053,7 +1059,7 @@
       </p:grpSpPr>
       <p:sp>
         <p:nvSpPr>
-          <p:cNvPr id="231" name="Shape 231"/>
+          <p:cNvPr id="232" name="Shape 232"/>
           <p:cNvSpPr/>
           <p:nvPr>
             <p:ph type="sldImg"/>
@@ -1074,7 +1080,7 @@
       </p:sp>
       <p:sp>
         <p:nvSpPr>
-          <p:cNvPr id="232" name="Shape 232"/>
+          <p:cNvPr id="233" name="Shape 233"/>
           <p:cNvSpPr/>
           <p:nvPr>
             <p:ph type="body" sz="quarter" idx="1"/>
@@ -1135,7 +1141,7 @@
       </p:grpSpPr>
       <p:sp>
         <p:nvSpPr>
-          <p:cNvPr id="235" name="Shape 235"/>
+          <p:cNvPr id="236" name="Shape 236"/>
           <p:cNvSpPr/>
           <p:nvPr>
             <p:ph type="sldImg"/>
@@ -1156,7 +1162,7 @@
       </p:sp>
       <p:sp>
         <p:nvSpPr>
-          <p:cNvPr id="236" name="Shape 236"/>
+          <p:cNvPr id="237" name="Shape 237"/>
           <p:cNvSpPr/>
           <p:nvPr>
             <p:ph type="body" sz="quarter" idx="1"/>
@@ -1235,7 +1241,7 @@
       </p:grpSpPr>
       <p:sp>
         <p:nvSpPr>
-          <p:cNvPr id="239" name="Shape 239"/>
+          <p:cNvPr id="240" name="Shape 240"/>
           <p:cNvSpPr/>
           <p:nvPr>
             <p:ph type="sldImg"/>
@@ -1256,7 +1262,7 @@
       </p:sp>
       <p:sp>
         <p:nvSpPr>
-          <p:cNvPr id="240" name="Shape 240"/>
+          <p:cNvPr id="241" name="Shape 241"/>
           <p:cNvSpPr/>
           <p:nvPr>
             <p:ph type="body" sz="quarter" idx="1"/>
@@ -1326,7 +1332,7 @@
       </p:grpSpPr>
       <p:sp>
         <p:nvSpPr>
-          <p:cNvPr id="243" name="Shape 243"/>
+          <p:cNvPr id="244" name="Shape 244"/>
           <p:cNvSpPr/>
           <p:nvPr>
             <p:ph type="sldImg"/>
@@ -1347,7 +1353,7 @@
       </p:sp>
       <p:sp>
         <p:nvSpPr>
-          <p:cNvPr id="244" name="Shape 244"/>
+          <p:cNvPr id="245" name="Shape 245"/>
           <p:cNvSpPr/>
           <p:nvPr>
             <p:ph type="body" sz="quarter" idx="1"/>
@@ -1396,7 +1402,7 @@
       </p:grpSpPr>
       <p:sp>
         <p:nvSpPr>
-          <p:cNvPr id="247" name="Shape 247"/>
+          <p:cNvPr id="248" name="Shape 248"/>
           <p:cNvSpPr/>
           <p:nvPr>
             <p:ph type="sldImg"/>
@@ -1417,7 +1423,7 @@
       </p:sp>
       <p:sp>
         <p:nvSpPr>
-          <p:cNvPr id="248" name="Shape 248"/>
+          <p:cNvPr id="249" name="Shape 249"/>
           <p:cNvSpPr/>
           <p:nvPr>
             <p:ph type="body" sz="quarter" idx="1"/>
@@ -1671,7 +1677,7 @@
       </p:grpSpPr>
       <p:sp>
         <p:nvSpPr>
-          <p:cNvPr id="252" name="Shape 252"/>
+          <p:cNvPr id="253" name="Shape 253"/>
           <p:cNvSpPr/>
           <p:nvPr>
             <p:ph type="sldImg"/>
@@ -1692,7 +1698,7 @@
       </p:sp>
       <p:sp>
         <p:nvSpPr>
-          <p:cNvPr id="253" name="Shape 253"/>
+          <p:cNvPr id="254" name="Shape 254"/>
           <p:cNvSpPr/>
           <p:nvPr>
             <p:ph type="body" sz="quarter" idx="1"/>
@@ -1747,7 +1753,7 @@
       </p:grpSpPr>
       <p:sp>
         <p:nvSpPr>
-          <p:cNvPr id="256" name="Shape 256"/>
+          <p:cNvPr id="257" name="Shape 257"/>
           <p:cNvSpPr/>
           <p:nvPr>
             <p:ph type="sldImg"/>
@@ -1768,7 +1774,7 @@
       </p:sp>
       <p:sp>
         <p:nvSpPr>
-          <p:cNvPr id="257" name="Shape 257"/>
+          <p:cNvPr id="258" name="Shape 258"/>
           <p:cNvSpPr/>
           <p:nvPr>
             <p:ph type="body" sz="quarter" idx="1"/>
@@ -3050,8 +3056,8 @@
         </p:nvSpPr>
         <p:spPr>
           <a:xfrm>
-            <a:off x="6503154" y="0"/>
-            <a:ext cx="6502401" cy="4864100"/>
+            <a:off x="5463161" y="-90805"/>
+            <a:ext cx="8585201" cy="5043805"/>
           </a:xfrm>
           <a:prstGeom prst="rect">
             <a:avLst/>
@@ -3077,8 +3083,8 @@
         </p:nvSpPr>
         <p:spPr>
           <a:xfrm>
-            <a:off x="6502400" y="4902200"/>
-            <a:ext cx="6502400" cy="4864100"/>
+            <a:off x="5918717" y="4660900"/>
+            <a:ext cx="7669766" cy="5219700"/>
           </a:xfrm>
           <a:prstGeom prst="rect">
             <a:avLst/>
@@ -3104,8 +3110,8 @@
         </p:nvSpPr>
         <p:spPr>
           <a:xfrm>
-            <a:off x="0" y="0"/>
-            <a:ext cx="6468534" cy="9753600"/>
+            <a:off x="-1016000" y="-12700"/>
+            <a:ext cx="8860898" cy="9779000"/>
           </a:xfrm>
           <a:prstGeom prst="rect">
             <a:avLst/>
@@ -3554,8 +3560,8 @@
         </p:nvSpPr>
         <p:spPr>
           <a:xfrm>
-            <a:off x="0" y="0"/>
-            <a:ext cx="5486400" cy="9753600"/>
+            <a:off x="-1016000" y="-12700"/>
+            <a:ext cx="8860898" cy="9779000"/>
           </a:xfrm>
           <a:prstGeom prst="rect">
             <a:avLst/>
@@ -3685,8 +3691,8 @@
         </p:nvSpPr>
         <p:spPr>
           <a:xfrm>
-            <a:off x="0" y="0"/>
-            <a:ext cx="13004800" cy="9753600"/>
+            <a:off x="-914400" y="-12700"/>
+            <a:ext cx="14814645" cy="9779000"/>
           </a:xfrm>
           <a:prstGeom prst="rect">
             <a:avLst/>
@@ -3870,8 +3876,8 @@
         </p:nvSpPr>
         <p:spPr>
           <a:xfrm>
-            <a:off x="0" y="0"/>
-            <a:ext cx="13004800" cy="9753600"/>
+            <a:off x="-914400" y="-12700"/>
+            <a:ext cx="14814645" cy="9779000"/>
           </a:xfrm>
           <a:prstGeom prst="rect">
             <a:avLst/>
@@ -4621,8 +4627,8 @@
         </p:nvSpPr>
         <p:spPr>
           <a:xfrm>
-            <a:off x="0" y="0"/>
-            <a:ext cx="5486400" cy="9753600"/>
+            <a:off x="-1016000" y="-12700"/>
+            <a:ext cx="8860898" cy="9779000"/>
           </a:xfrm>
           <a:prstGeom prst="rect">
             <a:avLst/>
@@ -5472,13 +5478,13 @@
           <p:cNvPr id="92" name="Image"/>
           <p:cNvSpPr/>
           <p:nvPr>
-            <p:ph type="pic" sz="half" idx="14"/>
+            <p:ph type="pic" idx="14"/>
           </p:nvPr>
         </p:nvSpPr>
         <p:spPr>
           <a:xfrm>
-            <a:off x="7112000" y="1536700"/>
-            <a:ext cx="5486400" cy="7797800"/>
+            <a:off x="6665377" y="1219200"/>
+            <a:ext cx="7445457" cy="8216900"/>
           </a:xfrm>
           <a:prstGeom prst="rect">
             <a:avLst/>
@@ -5893,9 +5899,6 @@
         <a:buNone/>
         <a:tabLst/>
         <a:defRPr b="0" baseline="0" cap="all" i="0" spc="0" strike="noStrike" sz="6000" u="none">
-          <a:ln>
-            <a:noFill/>
-          </a:ln>
           <a:solidFill>
             <a:schemeClr val="accent1"/>
           </a:solidFill>
@@ -5922,9 +5925,6 @@
         <a:buNone/>
         <a:tabLst/>
         <a:defRPr b="0" baseline="0" cap="all" i="0" spc="0" strike="noStrike" sz="6000" u="none">
-          <a:ln>
-            <a:noFill/>
-          </a:ln>
           <a:solidFill>
             <a:schemeClr val="accent1"/>
           </a:solidFill>
@@ -5951,9 +5951,6 @@
         <a:buNone/>
         <a:tabLst/>
         <a:defRPr b="0" baseline="0" cap="all" i="0" spc="0" strike="noStrike" sz="6000" u="none">
-          <a:ln>
-            <a:noFill/>
-          </a:ln>
           <a:solidFill>
             <a:schemeClr val="accent1"/>
           </a:solidFill>
@@ -5980,9 +5977,6 @@
         <a:buNone/>
         <a:tabLst/>
         <a:defRPr b="0" baseline="0" cap="all" i="0" spc="0" strike="noStrike" sz="6000" u="none">
-          <a:ln>
-            <a:noFill/>
-          </a:ln>
           <a:solidFill>
             <a:schemeClr val="accent1"/>
           </a:solidFill>
@@ -6009,9 +6003,6 @@
         <a:buNone/>
         <a:tabLst/>
         <a:defRPr b="0" baseline="0" cap="all" i="0" spc="0" strike="noStrike" sz="6000" u="none">
-          <a:ln>
-            <a:noFill/>
-          </a:ln>
           <a:solidFill>
             <a:schemeClr val="accent1"/>
           </a:solidFill>
@@ -6038,9 +6029,6 @@
         <a:buNone/>
         <a:tabLst/>
         <a:defRPr b="0" baseline="0" cap="all" i="0" spc="0" strike="noStrike" sz="6000" u="none">
-          <a:ln>
-            <a:noFill/>
-          </a:ln>
           <a:solidFill>
             <a:schemeClr val="accent1"/>
           </a:solidFill>
@@ -6067,9 +6055,6 @@
         <a:buNone/>
         <a:tabLst/>
         <a:defRPr b="0" baseline="0" cap="all" i="0" spc="0" strike="noStrike" sz="6000" u="none">
-          <a:ln>
-            <a:noFill/>
-          </a:ln>
           <a:solidFill>
             <a:schemeClr val="accent1"/>
           </a:solidFill>
@@ -6096,9 +6081,6 @@
         <a:buNone/>
         <a:tabLst/>
         <a:defRPr b="0" baseline="0" cap="all" i="0" spc="0" strike="noStrike" sz="6000" u="none">
-          <a:ln>
-            <a:noFill/>
-          </a:ln>
           <a:solidFill>
             <a:schemeClr val="accent1"/>
           </a:solidFill>
@@ -6125,9 +6107,6 @@
         <a:buNone/>
         <a:tabLst/>
         <a:defRPr b="0" baseline="0" cap="all" i="0" spc="0" strike="noStrike" sz="6000" u="none">
-          <a:ln>
-            <a:noFill/>
-          </a:ln>
           <a:solidFill>
             <a:schemeClr val="accent1"/>
           </a:solidFill>
@@ -6160,9 +6139,6 @@
         <a:buChar char="‣"/>
         <a:tabLst/>
         <a:defRPr b="0" baseline="0" cap="none" i="0" spc="0" strike="noStrike" sz="3400" u="none">
-          <a:ln>
-            <a:noFill/>
-          </a:ln>
           <a:solidFill>
             <a:srgbClr val="838787"/>
           </a:solidFill>
@@ -6193,9 +6169,6 @@
         <a:buChar char="‣"/>
         <a:tabLst/>
         <a:defRPr b="0" baseline="0" cap="none" i="0" spc="0" strike="noStrike" sz="3400" u="none">
-          <a:ln>
-            <a:noFill/>
-          </a:ln>
           <a:solidFill>
             <a:srgbClr val="838787"/>
           </a:solidFill>
@@ -6226,9 +6199,6 @@
         <a:buChar char="‣"/>
         <a:tabLst/>
         <a:defRPr b="0" baseline="0" cap="none" i="0" spc="0" strike="noStrike" sz="3400" u="none">
-          <a:ln>
-            <a:noFill/>
-          </a:ln>
           <a:solidFill>
             <a:srgbClr val="838787"/>
           </a:solidFill>
@@ -6259,9 +6229,6 @@
         <a:buChar char="‣"/>
         <a:tabLst/>
         <a:defRPr b="0" baseline="0" cap="none" i="0" spc="0" strike="noStrike" sz="3400" u="none">
-          <a:ln>
-            <a:noFill/>
-          </a:ln>
           <a:solidFill>
             <a:srgbClr val="838787"/>
           </a:solidFill>
@@ -6292,9 +6259,6 @@
         <a:buChar char="‣"/>
         <a:tabLst/>
         <a:defRPr b="0" baseline="0" cap="none" i="0" spc="0" strike="noStrike" sz="3400" u="none">
-          <a:ln>
-            <a:noFill/>
-          </a:ln>
           <a:solidFill>
             <a:srgbClr val="838787"/>
           </a:solidFill>
@@ -6325,9 +6289,6 @@
         <a:buChar char="‣"/>
         <a:tabLst/>
         <a:defRPr b="0" baseline="0" cap="none" i="0" spc="0" strike="noStrike" sz="3400" u="none">
-          <a:ln>
-            <a:noFill/>
-          </a:ln>
           <a:solidFill>
             <a:srgbClr val="838787"/>
           </a:solidFill>
@@ -6358,9 +6319,6 @@
         <a:buChar char="‣"/>
         <a:tabLst/>
         <a:defRPr b="0" baseline="0" cap="none" i="0" spc="0" strike="noStrike" sz="3400" u="none">
-          <a:ln>
-            <a:noFill/>
-          </a:ln>
           <a:solidFill>
             <a:srgbClr val="838787"/>
           </a:solidFill>
@@ -6391,9 +6349,6 @@
         <a:buChar char="‣"/>
         <a:tabLst/>
         <a:defRPr b="0" baseline="0" cap="none" i="0" spc="0" strike="noStrike" sz="3400" u="none">
-          <a:ln>
-            <a:noFill/>
-          </a:ln>
           <a:solidFill>
             <a:srgbClr val="838787"/>
           </a:solidFill>
@@ -6424,9 +6379,6 @@
         <a:buChar char="‣"/>
         <a:tabLst/>
         <a:defRPr b="0" baseline="0" cap="none" i="0" spc="0" strike="noStrike" sz="3400" u="none">
-          <a:ln>
-            <a:noFill/>
-          </a:ln>
           <a:solidFill>
             <a:srgbClr val="838787"/>
           </a:solidFill>
@@ -6455,9 +6407,6 @@
         <a:buNone/>
         <a:tabLst/>
         <a:defRPr b="0" baseline="0" cap="none" i="0" spc="0" strike="noStrike" sz="2400" u="none">
-          <a:ln>
-            <a:noFill/>
-          </a:ln>
           <a:solidFill>
             <a:schemeClr val="tx1"/>
           </a:solidFill>
@@ -6484,9 +6433,6 @@
         <a:buNone/>
         <a:tabLst/>
         <a:defRPr b="0" baseline="0" cap="none" i="0" spc="0" strike="noStrike" sz="2400" u="none">
-          <a:ln>
-            <a:noFill/>
-          </a:ln>
           <a:solidFill>
             <a:schemeClr val="tx1"/>
           </a:solidFill>
@@ -6513,9 +6459,6 @@
         <a:buNone/>
         <a:tabLst/>
         <a:defRPr b="0" baseline="0" cap="none" i="0" spc="0" strike="noStrike" sz="2400" u="none">
-          <a:ln>
-            <a:noFill/>
-          </a:ln>
           <a:solidFill>
             <a:schemeClr val="tx1"/>
           </a:solidFill>
@@ -6542,9 +6485,6 @@
         <a:buNone/>
         <a:tabLst/>
         <a:defRPr b="0" baseline="0" cap="none" i="0" spc="0" strike="noStrike" sz="2400" u="none">
-          <a:ln>
-            <a:noFill/>
-          </a:ln>
           <a:solidFill>
             <a:schemeClr val="tx1"/>
           </a:solidFill>
@@ -6571,9 +6511,6 @@
         <a:buNone/>
         <a:tabLst/>
         <a:defRPr b="0" baseline="0" cap="none" i="0" spc="0" strike="noStrike" sz="2400" u="none">
-          <a:ln>
-            <a:noFill/>
-          </a:ln>
           <a:solidFill>
             <a:schemeClr val="tx1"/>
           </a:solidFill>
@@ -6600,9 +6537,6 @@
         <a:buNone/>
         <a:tabLst/>
         <a:defRPr b="0" baseline="0" cap="none" i="0" spc="0" strike="noStrike" sz="2400" u="none">
-          <a:ln>
-            <a:noFill/>
-          </a:ln>
           <a:solidFill>
             <a:schemeClr val="tx1"/>
           </a:solidFill>
@@ -6629,9 +6563,6 @@
         <a:buNone/>
         <a:tabLst/>
         <a:defRPr b="0" baseline="0" cap="none" i="0" spc="0" strike="noStrike" sz="2400" u="none">
-          <a:ln>
-            <a:noFill/>
-          </a:ln>
           <a:solidFill>
             <a:schemeClr val="tx1"/>
           </a:solidFill>
@@ -6658,9 +6589,6 @@
         <a:buNone/>
         <a:tabLst/>
         <a:defRPr b="0" baseline="0" cap="none" i="0" spc="0" strike="noStrike" sz="2400" u="none">
-          <a:ln>
-            <a:noFill/>
-          </a:ln>
           <a:solidFill>
             <a:schemeClr val="tx1"/>
           </a:solidFill>
@@ -6687,9 +6615,6 @@
         <a:buNone/>
         <a:tabLst/>
         <a:defRPr b="0" baseline="0" cap="none" i="0" spc="0" strike="noStrike" sz="2400" u="none">
-          <a:ln>
-            <a:noFill/>
-          </a:ln>
           <a:solidFill>
             <a:schemeClr val="tx1"/>
           </a:solidFill>
@@ -7160,15 +7085,15 @@
           <a:blip r:embed="rId3">
             <a:extLst/>
           </a:blip>
-          <a:srcRect l="6091" t="12761" r="6430" b="12904"/>
+          <a:srcRect l="6091" t="12761" r="6429" b="12902"/>
           <a:stretch>
             <a:fillRect/>
           </a:stretch>
         </p:blipFill>
         <p:spPr>
           <a:xfrm>
-            <a:off x="3211983" y="2086243"/>
-            <a:ext cx="6555607" cy="5570543"/>
+            <a:off x="919470" y="606539"/>
+            <a:ext cx="4975642" cy="4228122"/>
           </a:xfrm>
           <a:custGeom>
             <a:avLst/>
@@ -7201,58 +7126,58 @@
                 </a:cubicBezTo>
                 <a:cubicBezTo>
                   <a:pt x="-1" y="4013"/>
-                  <a:pt x="1185" y="4917"/>
-                  <a:pt x="2635" y="6000"/>
+                  <a:pt x="1185" y="4918"/>
+                  <a:pt x="2635" y="6001"/>
                 </a:cubicBezTo>
                 <a:cubicBezTo>
-                  <a:pt x="4086" y="7083"/>
-                  <a:pt x="5283" y="8004"/>
-                  <a:pt x="5295" y="8047"/>
+                  <a:pt x="4085" y="7084"/>
+                  <a:pt x="5284" y="8004"/>
+                  <a:pt x="5296" y="8047"/>
                 </a:cubicBezTo>
                 <a:cubicBezTo>
-                  <a:pt x="5307" y="8090"/>
-                  <a:pt x="4120" y="9023"/>
-                  <a:pt x="2656" y="10119"/>
+                  <a:pt x="5308" y="8090"/>
+                  <a:pt x="4120" y="9022"/>
+                  <a:pt x="2656" y="10118"/>
                 </a:cubicBezTo>
                 <a:cubicBezTo>
-                  <a:pt x="1192" y="11215"/>
-                  <a:pt x="18" y="12142"/>
-                  <a:pt x="49" y="12178"/>
+                  <a:pt x="1192" y="11214"/>
+                  <a:pt x="18" y="12140"/>
+                  <a:pt x="48" y="12176"/>
                 </a:cubicBezTo>
                 <a:cubicBezTo>
-                  <a:pt x="79" y="12214"/>
-                  <a:pt x="1285" y="13124"/>
-                  <a:pt x="2727" y="14203"/>
+                  <a:pt x="79" y="12212"/>
+                  <a:pt x="1284" y="13124"/>
+                  <a:pt x="2726" y="14202"/>
                 </a:cubicBezTo>
                 <a:cubicBezTo>
                   <a:pt x="4169" y="15281"/>
-                  <a:pt x="5360" y="16167"/>
-                  <a:pt x="5374" y="16169"/>
+                  <a:pt x="5359" y="16166"/>
+                  <a:pt x="5373" y="16168"/>
                 </a:cubicBezTo>
                 <a:cubicBezTo>
-                  <a:pt x="5388" y="16171"/>
-                  <a:pt x="6609" y="15267"/>
-                  <a:pt x="8087" y="14161"/>
+                  <a:pt x="5387" y="16169"/>
+                  <a:pt x="6609" y="15266"/>
+                  <a:pt x="8087" y="14160"/>
                 </a:cubicBezTo>
                 <a:cubicBezTo>
-                  <a:pt x="9605" y="13026"/>
-                  <a:pt x="10816" y="12169"/>
-                  <a:pt x="10870" y="12193"/>
+                  <a:pt x="9605" y="13024"/>
+                  <a:pt x="10816" y="12168"/>
+                  <a:pt x="10870" y="12192"/>
                 </a:cubicBezTo>
                 <a:cubicBezTo>
-                  <a:pt x="10923" y="12217"/>
-                  <a:pt x="12152" y="13124"/>
-                  <a:pt x="13599" y="14209"/>
+                  <a:pt x="10923" y="12216"/>
+                  <a:pt x="12151" y="13123"/>
+                  <a:pt x="13598" y="14208"/>
                 </a:cubicBezTo>
                 <a:lnTo>
-                  <a:pt x="16230" y="16183"/>
+                  <a:pt x="16230" y="16182"/>
                 </a:lnTo>
                 <a:lnTo>
-                  <a:pt x="16517" y="15978"/>
+                  <a:pt x="16517" y="15977"/>
                 </a:lnTo>
                 <a:cubicBezTo>
-                  <a:pt x="17652" y="15173"/>
-                  <a:pt x="21560" y="12190"/>
+                  <a:pt x="17653" y="15172"/>
+                  <a:pt x="21559" y="12190"/>
                   <a:pt x="21558" y="12130"/>
                 </a:cubicBezTo>
                 <a:cubicBezTo>
@@ -7261,52 +7186,52 @@
                   <a:pt x="19014" y="10148"/>
                 </a:cubicBezTo>
                 <a:cubicBezTo>
-                  <a:pt x="17616" y="9100"/>
-                  <a:pt x="16429" y="8191"/>
-                  <a:pt x="16378" y="8131"/>
+                  <a:pt x="17615" y="9099"/>
+                  <a:pt x="16429" y="8192"/>
+                  <a:pt x="16378" y="8132"/>
                 </a:cubicBezTo>
                 <a:cubicBezTo>
-                  <a:pt x="16300" y="8040"/>
-                  <a:pt x="16453" y="7897"/>
-                  <a:pt x="17361" y="7219"/>
+                  <a:pt x="16300" y="8041"/>
+                  <a:pt x="16454" y="7896"/>
+                  <a:pt x="17361" y="7217"/>
                 </a:cubicBezTo>
                 <a:cubicBezTo>
-                  <a:pt x="20594" y="4802"/>
-                  <a:pt x="21577" y="4057"/>
-                  <a:pt x="21591" y="4006"/>
+                  <a:pt x="20594" y="4801"/>
+                  <a:pt x="21577" y="4058"/>
+                  <a:pt x="21591" y="4007"/>
                 </a:cubicBezTo>
                 <a:cubicBezTo>
-                  <a:pt x="21599" y="3976"/>
-                  <a:pt x="20970" y="3478"/>
-                  <a:pt x="20193" y="2899"/>
+                  <a:pt x="21599" y="3977"/>
+                  <a:pt x="20971" y="3477"/>
+                  <a:pt x="20194" y="2898"/>
                 </a:cubicBezTo>
                 <a:cubicBezTo>
-                  <a:pt x="19416" y="2320"/>
-                  <a:pt x="18218" y="1423"/>
-                  <a:pt x="17531" y="908"/>
+                  <a:pt x="19417" y="2319"/>
+                  <a:pt x="18217" y="1424"/>
+                  <a:pt x="17530" y="909"/>
                 </a:cubicBezTo>
                 <a:cubicBezTo>
-                  <a:pt x="16844" y="392"/>
-                  <a:pt x="16240" y="-10"/>
+                  <a:pt x="16843" y="393"/>
+                  <a:pt x="16239" y="-10"/>
                   <a:pt x="16187" y="14"/>
                 </a:cubicBezTo>
                 <a:cubicBezTo>
-                  <a:pt x="16135" y="37"/>
-                  <a:pt x="14908" y="944"/>
+                  <a:pt x="16134" y="38"/>
+                  <a:pt x="14909" y="944"/>
                   <a:pt x="13462" y="2026"/>
                 </a:cubicBezTo>
                 <a:cubicBezTo>
                   <a:pt x="11254" y="3678"/>
-                  <a:pt x="10810" y="3978"/>
-                  <a:pt x="10700" y="3910"/>
+                  <a:pt x="10809" y="3977"/>
+                  <a:pt x="10700" y="3908"/>
                 </a:cubicBezTo>
                 <a:cubicBezTo>
-                  <a:pt x="10628" y="3864"/>
-                  <a:pt x="9414" y="2962"/>
-                  <a:pt x="8000" y="1903"/>
+                  <a:pt x="10628" y="3863"/>
+                  <a:pt x="9414" y="2961"/>
+                  <a:pt x="8000" y="1902"/>
                 </a:cubicBezTo>
                 <a:cubicBezTo>
-                  <a:pt x="6586" y="844"/>
+                  <a:pt x="6586" y="843"/>
                   <a:pt x="5394" y="-13"/>
                   <a:pt x="5351" y="0"/>
                 </a:cubicBezTo>
@@ -7315,111 +7240,140 @@
                   <a:pt x="10803" y="3997"/>
                 </a:moveTo>
                 <a:lnTo>
-                  <a:pt x="11007" y="4143"/>
+                  <a:pt x="11008" y="4143"/>
                 </a:lnTo>
                 <a:cubicBezTo>
-                  <a:pt x="11120" y="4222"/>
-                  <a:pt x="12275" y="5081"/>
-                  <a:pt x="13573" y="6053"/>
+                  <a:pt x="11121" y="4222"/>
+                  <a:pt x="12274" y="5082"/>
+                  <a:pt x="13572" y="6054"/>
                 </a:cubicBezTo>
                 <a:cubicBezTo>
-                  <a:pt x="14871" y="7024"/>
-                  <a:pt x="15999" y="7862"/>
-                  <a:pt x="16080" y="7913"/>
+                  <a:pt x="14871" y="7025"/>
+                  <a:pt x="15999" y="7861"/>
+                  <a:pt x="16080" y="7912"/>
                 </a:cubicBezTo>
                 <a:cubicBezTo>
-                  <a:pt x="16161" y="7964"/>
-                  <a:pt x="16211" y="8039"/>
-                  <a:pt x="16190" y="8079"/>
+                  <a:pt x="16161" y="7963"/>
+                  <a:pt x="16211" y="8038"/>
+                  <a:pt x="16190" y="8078"/>
                 </a:cubicBezTo>
                 <a:cubicBezTo>
-                  <a:pt x="16169" y="8119"/>
+                  <a:pt x="16169" y="8118"/>
                   <a:pt x="15102" y="8934"/>
-                  <a:pt x="13819" y="9892"/>
+                  <a:pt x="13819" y="9891"/>
                 </a:cubicBezTo>
                 <a:cubicBezTo>
-                  <a:pt x="12536" y="10849"/>
-                  <a:pt x="11332" y="11748"/>
+                  <a:pt x="12536" y="10848"/>
+                  <a:pt x="11332" y="11747"/>
                   <a:pt x="11144" y="11887"/>
                 </a:cubicBezTo>
                 <a:lnTo>
-                  <a:pt x="10803" y="12141"/>
+                  <a:pt x="10803" y="12140"/>
                 </a:lnTo>
                 <a:lnTo>
-                  <a:pt x="8143" y="10147"/>
+                  <a:pt x="8144" y="10146"/>
                 </a:lnTo>
                 <a:cubicBezTo>
-                  <a:pt x="6681" y="9050"/>
+                  <a:pt x="6682" y="9049"/>
                   <a:pt x="5485" y="8113"/>
                   <a:pt x="5485" y="8064"/>
                 </a:cubicBezTo>
                 <a:cubicBezTo>
                   <a:pt x="5485" y="8014"/>
-                  <a:pt x="6681" y="7079"/>
-                  <a:pt x="8143" y="5987"/>
+                  <a:pt x="6682" y="7080"/>
+                  <a:pt x="8144" y="5987"/>
                 </a:cubicBezTo>
                 <a:lnTo>
                   <a:pt x="10803" y="3997"/>
                 </a:lnTo>
                 <a:close/>
                 <a:moveTo>
-                  <a:pt x="10811" y="13527"/>
+                  <a:pt x="10812" y="13526"/>
                 </a:moveTo>
                 <a:cubicBezTo>
-                  <a:pt x="10788" y="13527"/>
-                  <a:pt x="9995" y="14107"/>
-                  <a:pt x="9048" y="14817"/>
+                  <a:pt x="10788" y="13526"/>
+                  <a:pt x="9995" y="14108"/>
+                  <a:pt x="9048" y="14818"/>
                 </a:cubicBezTo>
                 <a:cubicBezTo>
-                  <a:pt x="8101" y="15527"/>
-                  <a:pt x="6905" y="16419"/>
-                  <a:pt x="6391" y="16800"/>
+                  <a:pt x="8102" y="15527"/>
+                  <a:pt x="6905" y="16418"/>
+                  <a:pt x="6391" y="16799"/>
                 </a:cubicBezTo>
                 <a:cubicBezTo>
-                  <a:pt x="5876" y="17181"/>
-                  <a:pt x="5455" y="17515"/>
-                  <a:pt x="5453" y="17541"/>
+                  <a:pt x="5877" y="17180"/>
+                  <a:pt x="5456" y="17514"/>
+                  <a:pt x="5454" y="17540"/>
                 </a:cubicBezTo>
                 <a:cubicBezTo>
-                  <a:pt x="5452" y="17567"/>
-                  <a:pt x="6408" y="18306"/>
+                  <a:pt x="5453" y="17566"/>
+                  <a:pt x="6409" y="18306"/>
                   <a:pt x="7579" y="19183"/>
                 </a:cubicBezTo>
                 <a:cubicBezTo>
-                  <a:pt x="8749" y="20060"/>
-                  <a:pt x="9953" y="20964"/>
-                  <a:pt x="10253" y="21192"/>
+                  <a:pt x="8750" y="20061"/>
+                  <a:pt x="9952" y="20965"/>
+                  <a:pt x="10252" y="21193"/>
                 </a:cubicBezTo>
                 <a:cubicBezTo>
-                  <a:pt x="10553" y="21421"/>
+                  <a:pt x="10552" y="21422"/>
                   <a:pt x="10830" y="21587"/>
                   <a:pt x="10869" y="21560"/>
                 </a:cubicBezTo>
                 <a:cubicBezTo>
                   <a:pt x="10908" y="21532"/>
-                  <a:pt x="11997" y="20717"/>
-                  <a:pt x="13291" y="19748"/>
+                  <a:pt x="11998" y="20717"/>
+                  <a:pt x="13292" y="19748"/>
                 </a:cubicBezTo>
                 <a:cubicBezTo>
-                  <a:pt x="14584" y="18780"/>
-                  <a:pt x="15775" y="17887"/>
-                  <a:pt x="15936" y="17767"/>
+                  <a:pt x="14585" y="18779"/>
+                  <a:pt x="15776" y="17887"/>
+                  <a:pt x="15937" y="17767"/>
                 </a:cubicBezTo>
                 <a:lnTo>
-                  <a:pt x="16229" y="17550"/>
+                  <a:pt x="16228" y="17548"/>
                 </a:lnTo>
                 <a:lnTo>
-                  <a:pt x="13542" y="15538"/>
+                  <a:pt x="13541" y="15538"/>
                 </a:lnTo>
                 <a:cubicBezTo>
-                  <a:pt x="12064" y="14431"/>
-                  <a:pt x="10835" y="13527"/>
-                  <a:pt x="10811" y="13527"/>
+                  <a:pt x="12063" y="14432"/>
+                  <a:pt x="10835" y="13526"/>
+                  <a:pt x="10812" y="13526"/>
                 </a:cubicBezTo>
                 <a:close/>
               </a:path>
             </a:pathLst>
           </a:custGeom>
+        </p:spPr>
+      </p:pic>
+      <p:pic>
+        <p:nvPicPr>
+          <p:cNvPr id="224" name="220px-1password2018.png" descr="220px-1password2018.png"/>
+          <p:cNvPicPr>
+            <a:picLocks noChangeAspect="1"/>
+          </p:cNvPicPr>
+          <p:nvPr/>
+        </p:nvPicPr>
+        <p:blipFill>
+          <a:blip r:embed="rId4">
+            <a:extLst/>
+          </a:blip>
+          <a:stretch>
+            <a:fillRect/>
+          </a:stretch>
+        </p:blipFill>
+        <p:spPr>
+          <a:xfrm>
+            <a:off x="7193412" y="4400194"/>
+            <a:ext cx="4975642" cy="4975641"/>
+          </a:xfrm>
+          <a:prstGeom prst="rect">
+            <a:avLst/>
+          </a:prstGeom>
+          <a:ln w="12700">
+            <a:miter lim="400000"/>
+          </a:ln>
         </p:spPr>
       </p:pic>
     </p:spTree>
@@ -7457,7 +7411,7 @@
       </p:grpSpPr>
       <p:pic>
         <p:nvPicPr>
-          <p:cNvPr id="227" name="hero-on-white-4x3.png" descr="hero-on-white-4x3.png"/>
+          <p:cNvPr id="228" name="hero-on-white-4x3.png" descr="hero-on-white-4x3.png"/>
           <p:cNvPicPr>
             <a:picLocks noChangeAspect="1"/>
           </p:cNvPicPr>
@@ -7486,7 +7440,7 @@
       </p:pic>
       <p:pic>
         <p:nvPicPr>
-          <p:cNvPr id="228" name="unnamed.png" descr="unnamed.png"/>
+          <p:cNvPr id="229" name="unnamed.png" descr="unnamed.png"/>
           <p:cNvPicPr>
             <a:picLocks noChangeAspect="1"/>
           </p:cNvPicPr>
@@ -7515,7 +7469,7 @@
       </p:pic>
       <p:pic>
         <p:nvPicPr>
-          <p:cNvPr id="229" name="YubiKey-5-NFC.png" descr="YubiKey-5-NFC.png"/>
+          <p:cNvPr id="230" name="YubiKey-5-NFC.png" descr="YubiKey-5-NFC.png"/>
           <p:cNvPicPr>
             <a:picLocks noChangeAspect="1"/>
           </p:cNvPicPr>
@@ -7544,7 +7498,7 @@
       </p:pic>
       <p:pic>
         <p:nvPicPr>
-          <p:cNvPr id="230" name="Security-Key-by-Yubico-nl-opt.png" descr="Security-Key-by-Yubico-nl-opt.png"/>
+          <p:cNvPr id="231" name="Security-Key-by-Yubico-nl-opt.png" descr="Security-Key-by-Yubico-nl-opt.png"/>
           <p:cNvPicPr>
             <a:picLocks noChangeAspect="1"/>
           </p:cNvPicPr>
@@ -7599,7 +7553,7 @@
       </p:grpSpPr>
       <p:pic>
         <p:nvPicPr>
-          <p:cNvPr id="234" name="how-to-teach-child-about-asymmetric-cryptography.png" descr="how-to-teach-child-about-asymmetric-cryptography.png"/>
+          <p:cNvPr id="235" name="how-to-teach-child-about-asymmetric-cryptography.png" descr="how-to-teach-child-about-asymmetric-cryptography.png"/>
           <p:cNvPicPr>
             <a:picLocks noChangeAspect="1"/>
           </p:cNvPicPr>
@@ -7661,7 +7615,7 @@
       </p:grpSpPr>
       <p:pic>
         <p:nvPicPr>
-          <p:cNvPr id="238" name="WebAuthn_Registration_r4.png" descr="WebAuthn_Registration_r4.png"/>
+          <p:cNvPr id="239" name="WebAuthn_Registration_r4.png" descr="WebAuthn_Registration_r4.png"/>
           <p:cNvPicPr>
             <a:picLocks noChangeAspect="0"/>
           </p:cNvPicPr>
@@ -7723,7 +7677,7 @@
       </p:grpSpPr>
       <p:pic>
         <p:nvPicPr>
-          <p:cNvPr id="242" name="MDN Webauthn Authentication (r1).png" descr="MDN Webauthn Authentication (r1).png"/>
+          <p:cNvPr id="243" name="MDN Webauthn Authentication (r1).png" descr="MDN Webauthn Authentication (r1).png"/>
           <p:cNvPicPr>
             <a:picLocks noChangeAspect="0"/>
           </p:cNvPicPr>
@@ -7833,7 +7787,7 @@
       </p:grpSpPr>
       <p:pic>
         <p:nvPicPr>
-          <p:cNvPr id="246" name="images.jpg" descr="images.jpg"/>
+          <p:cNvPr id="247" name="images.jpg" descr="images.jpg"/>
           <p:cNvPicPr>
             <a:picLocks noChangeAspect="1"/>
           </p:cNvPicPr>
@@ -7888,7 +7842,7 @@
       </p:grpSpPr>
       <p:sp>
         <p:nvSpPr>
-          <p:cNvPr id="250" name="passwords ?"/>
+          <p:cNvPr id="251" name="passwords ?"/>
           <p:cNvSpPr txBox="1"/>
           <p:nvPr>
             <p:ph type="title"/>
@@ -7916,7 +7870,7 @@
       </p:sp>
       <p:pic>
         <p:nvPicPr>
-          <p:cNvPr id="251" name="giphy.mp4" descr="giphy.mp4"/>
+          <p:cNvPr id="252" name="giphy.mp4" descr="giphy.mp4"/>
           <p:cNvPicPr>
             <a:picLocks noChangeAspect="0"/>
           </p:cNvPicPr>
@@ -7989,7 +7943,7 @@
                                       <p:cBhvr>
                                         <p:cTn id="6" dur="4099999" fill="hold"/>
                                         <p:tgtEl>
-                                          <p:spTgt spid="251"/>
+                                          <p:spTgt spid="252"/>
                                         </p:tgtEl>
                                       </p:cBhvr>
                                     </p:cmd>
@@ -8027,7 +7981,7 @@
                   </p:stCondLst>
                 </p:cTn>
                 <p:tgtEl>
-                  <p:spTgt spid="251"/>
+                  <p:spTgt spid="252"/>
                 </p:tgtEl>
               </p:cMediaNode>
             </p:video>
@@ -8058,7 +8012,7 @@
       </p:grpSpPr>
       <p:pic>
         <p:nvPicPr>
-          <p:cNvPr id="255" name="4904217654_2767e889e0.jpg" descr="4904217654_2767e889e0.jpg"/>
+          <p:cNvPr id="256" name="4904217654_2767e889e0.jpg" descr="4904217654_2767e889e0.jpg"/>
           <p:cNvPicPr>
             <a:picLocks noChangeAspect="1"/>
           </p:cNvPicPr>
@@ -8113,7 +8067,7 @@
       </p:grpSpPr>
       <p:sp>
         <p:nvSpPr>
-          <p:cNvPr id="259" name="Références"/>
+          <p:cNvPr id="260" name="Références"/>
           <p:cNvSpPr txBox="1"/>
           <p:nvPr>
             <p:ph type="body" idx="13"/>
@@ -8137,7 +8091,7 @@
       </p:sp>
       <p:sp>
         <p:nvSpPr>
-          <p:cNvPr id="260" name="Spécification =&gt; https://www.w3.org/TR/webauthn/…"/>
+          <p:cNvPr id="261" name="Spécification =&gt; https://www.w3.org/TR/webauthn/…"/>
           <p:cNvSpPr txBox="1"/>
           <p:nvPr>
             <p:ph type="body" idx="1"/>

--- a/WebAuthn.pptx
+++ b/WebAuthn.pptx
@@ -2453,6 +2453,24 @@
               <a:t>D’ailleurs le code envoyé par SMS pour valider ces achats en ligne doit être remplacé d’ici la fin d’année.</a:t>
             </a:r>
           </a:p>
+          <a:p>
+            <a:pPr/>
+            <a:r>
+              <a:t>Par exemple récemment aux Etats-Unis un gang a été arrêté après avoir extorqué plus de 2 millions de dollars à leurs victimes en utilisant la technique du SIM swapping (</a:t>
+            </a:r>
+            <a:r>
+              <a:rPr u="sng">
+                <a:solidFill>
+                  <a:schemeClr val="accent1"/>
+                </a:solidFill>
+                <a:hlinkClick r:id="rId3" invalidUrl="" action="" tgtFrame="" tooltip="" history="1" highlightClick="0" endSnd="0"/>
+              </a:rPr>
+              <a:t>https://krebsonsecurity.com/2019/05/nine-charged-in-alleged-sim-swapping-ring/</a:t>
+            </a:r>
+            <a:r>
+              <a:t>).</a:t>
+            </a:r>
+          </a:p>
         </p:txBody>
       </p:sp>
     </p:spTree>
@@ -6119,7 +6137,7 @@
       </a:lvl9pPr>
     </p:titleStyle>
     <p:bodyStyle>
-      <a:lvl1pPr marL="444500" marR="0" indent="-444500" algn="l" defTabSz="584200" latinLnBrk="0">
+      <a:lvl1pPr marL="444500" marR="0" indent="-444500" algn="l" defTabSz="584200" rtl="0" latinLnBrk="0">
         <a:lnSpc>
           <a:spcPct val="100000"/>
         </a:lnSpc>
@@ -6149,7 +6167,7 @@
           <a:sym typeface="Avenir Next Medium"/>
         </a:defRPr>
       </a:lvl1pPr>
-      <a:lvl2pPr marL="889000" marR="0" indent="-444500" algn="l" defTabSz="584200" latinLnBrk="0">
+      <a:lvl2pPr marL="889000" marR="0" indent="-444500" algn="l" defTabSz="584200" rtl="0" latinLnBrk="0">
         <a:lnSpc>
           <a:spcPct val="100000"/>
         </a:lnSpc>
@@ -6179,7 +6197,7 @@
           <a:sym typeface="Avenir Next Medium"/>
         </a:defRPr>
       </a:lvl2pPr>
-      <a:lvl3pPr marL="1333500" marR="0" indent="-444500" algn="l" defTabSz="584200" latinLnBrk="0">
+      <a:lvl3pPr marL="1333500" marR="0" indent="-444500" algn="l" defTabSz="584200" rtl="0" latinLnBrk="0">
         <a:lnSpc>
           <a:spcPct val="100000"/>
         </a:lnSpc>
@@ -6209,7 +6227,7 @@
           <a:sym typeface="Avenir Next Medium"/>
         </a:defRPr>
       </a:lvl3pPr>
-      <a:lvl4pPr marL="1778000" marR="0" indent="-444500" algn="l" defTabSz="584200" latinLnBrk="0">
+      <a:lvl4pPr marL="1778000" marR="0" indent="-444500" algn="l" defTabSz="584200" rtl="0" latinLnBrk="0">
         <a:lnSpc>
           <a:spcPct val="100000"/>
         </a:lnSpc>
@@ -6239,7 +6257,7 @@
           <a:sym typeface="Avenir Next Medium"/>
         </a:defRPr>
       </a:lvl4pPr>
-      <a:lvl5pPr marL="2222500" marR="0" indent="-444500" algn="l" defTabSz="584200" latinLnBrk="0">
+      <a:lvl5pPr marL="2222500" marR="0" indent="-444500" algn="l" defTabSz="584200" rtl="0" latinLnBrk="0">
         <a:lnSpc>
           <a:spcPct val="100000"/>
         </a:lnSpc>
@@ -6269,7 +6287,7 @@
           <a:sym typeface="Avenir Next Medium"/>
         </a:defRPr>
       </a:lvl5pPr>
-      <a:lvl6pPr marL="2667000" marR="0" indent="-444500" algn="l" defTabSz="584200" latinLnBrk="0">
+      <a:lvl6pPr marL="2667000" marR="0" indent="-444500" algn="l" defTabSz="584200" rtl="0" latinLnBrk="0">
         <a:lnSpc>
           <a:spcPct val="100000"/>
         </a:lnSpc>
@@ -6299,7 +6317,7 @@
           <a:sym typeface="Avenir Next Medium"/>
         </a:defRPr>
       </a:lvl6pPr>
-      <a:lvl7pPr marL="3111500" marR="0" indent="-444500" algn="l" defTabSz="584200" latinLnBrk="0">
+      <a:lvl7pPr marL="3111500" marR="0" indent="-444500" algn="l" defTabSz="584200" rtl="0" latinLnBrk="0">
         <a:lnSpc>
           <a:spcPct val="100000"/>
         </a:lnSpc>
@@ -6329,7 +6347,7 @@
           <a:sym typeface="Avenir Next Medium"/>
         </a:defRPr>
       </a:lvl7pPr>
-      <a:lvl8pPr marL="3556000" marR="0" indent="-444500" algn="l" defTabSz="584200" latinLnBrk="0">
+      <a:lvl8pPr marL="3556000" marR="0" indent="-444500" algn="l" defTabSz="584200" rtl="0" latinLnBrk="0">
         <a:lnSpc>
           <a:spcPct val="100000"/>
         </a:lnSpc>
@@ -6359,7 +6377,7 @@
           <a:sym typeface="Avenir Next Medium"/>
         </a:defRPr>
       </a:lvl8pPr>
-      <a:lvl9pPr marL="4000500" marR="0" indent="-444500" algn="l" defTabSz="584200" latinLnBrk="0">
+      <a:lvl9pPr marL="4000500" marR="0" indent="-444500" algn="l" defTabSz="584200" rtl="0" latinLnBrk="0">
         <a:lnSpc>
           <a:spcPct val="100000"/>
         </a:lnSpc>
@@ -7141,7 +7159,7 @@
                 </a:cubicBezTo>
                 <a:cubicBezTo>
                   <a:pt x="1192" y="11214"/>
-                  <a:pt x="18" y="12140"/>
+                  <a:pt x="18" y="12141"/>
                   <a:pt x="48" y="12176"/>
                 </a:cubicBezTo>
                 <a:cubicBezTo>
@@ -7365,8 +7383,8 @@
         </p:blipFill>
         <p:spPr>
           <a:xfrm>
-            <a:off x="7193412" y="4400194"/>
-            <a:ext cx="4975642" cy="4975641"/>
+            <a:off x="7193412" y="4400193"/>
+            <a:ext cx="4975641" cy="4975642"/>
           </a:xfrm>
           <a:prstGeom prst="rect">
             <a:avLst/>
